--- a/PCA-EEE-03-PPT.pptx
+++ b/PCA-EEE-03-PPT.pptx
@@ -5,7 +5,7 @@
     <p:sldMasterId id="2147483648" r:id="rId1"/>
   </p:sldMasterIdLst>
   <p:notesMasterIdLst>
-    <p:notesMasterId r:id="rId12"/>
+    <p:notesMasterId r:id="rId13"/>
   </p:notesMasterIdLst>
   <p:sldIdLst>
     <p:sldId id="256" r:id="rId2"/>
@@ -18,6 +18,7 @@
     <p:sldId id="264" r:id="rId9"/>
     <p:sldId id="265" r:id="rId10"/>
     <p:sldId id="266" r:id="rId11"/>
+    <p:sldId id="267" r:id="rId12"/>
   </p:sldIdLst>
   <p:sldSz cx="9144000" cy="5143500" type="screen16x9"/>
   <p:notesSz cx="6858000" cy="9144000"/>
@@ -217,7 +218,7 @@
           <a:p>
             <a:fld id="{C8D18E60-4300-4729-A0D7-6AB984C3922D}" type="datetimeFigureOut">
               <a:rPr lang="en-US" smtClean="0"/>
-              <a:t>6/3/2021</a:t>
+              <a:t>6/4/2021</a:t>
             </a:fld>
             <a:endParaRPr lang="en-US"/>
           </a:p>
@@ -787,7 +788,7 @@
             <a:fld id="{53074F12-AA26-4AC8-9962-C36BB8F32554}" type="datetimeFigureOut">
               <a:rPr lang="en-US" smtClean="0"/>
               <a:pPr/>
-              <a:t>6/3/2021</a:t>
+              <a:t>6/4/2021</a:t>
             </a:fld>
             <a:endParaRPr lang="en-US"/>
           </a:p>
@@ -1041,7 +1042,7 @@
             <a:fld id="{53074F12-AA26-4AC8-9962-C36BB8F32554}" type="datetimeFigureOut">
               <a:rPr lang="en-US" smtClean="0"/>
               <a:pPr/>
-              <a:t>6/3/2021</a:t>
+              <a:t>6/4/2021</a:t>
             </a:fld>
             <a:endParaRPr lang="en-US"/>
           </a:p>
@@ -1211,7 +1212,7 @@
             <a:fld id="{53074F12-AA26-4AC8-9962-C36BB8F32554}" type="datetimeFigureOut">
               <a:rPr lang="en-US" smtClean="0"/>
               <a:pPr/>
-              <a:t>6/3/2021</a:t>
+              <a:t>6/4/2021</a:t>
             </a:fld>
             <a:endParaRPr lang="en-US"/>
           </a:p>
@@ -1391,7 +1392,7 @@
             <a:fld id="{53074F12-AA26-4AC8-9962-C36BB8F32554}" type="datetimeFigureOut">
               <a:rPr lang="en-US" smtClean="0"/>
               <a:pPr/>
-              <a:t>6/3/2021</a:t>
+              <a:t>6/4/2021</a:t>
             </a:fld>
             <a:endParaRPr lang="en-US"/>
           </a:p>
@@ -1673,7 +1674,7 @@
             <a:fld id="{53074F12-AA26-4AC8-9962-C36BB8F32554}" type="datetimeFigureOut">
               <a:rPr lang="en-US" smtClean="0"/>
               <a:pPr/>
-              <a:t>6/3/2021</a:t>
+              <a:t>6/4/2021</a:t>
             </a:fld>
             <a:endParaRPr lang="en-US"/>
           </a:p>
@@ -1920,7 +1921,7 @@
             <a:fld id="{53074F12-AA26-4AC8-9962-C36BB8F32554}" type="datetimeFigureOut">
               <a:rPr lang="en-US" smtClean="0"/>
               <a:pPr/>
-              <a:t>6/3/2021</a:t>
+              <a:t>6/4/2021</a:t>
             </a:fld>
             <a:endParaRPr lang="en-US"/>
           </a:p>
@@ -2167,7 +2168,7 @@
             <a:fld id="{53074F12-AA26-4AC8-9962-C36BB8F32554}" type="datetimeFigureOut">
               <a:rPr lang="en-US" smtClean="0"/>
               <a:pPr/>
-              <a:t>6/3/2021</a:t>
+              <a:t>6/4/2021</a:t>
             </a:fld>
             <a:endParaRPr lang="en-US"/>
           </a:p>
@@ -2454,7 +2455,7 @@
             <a:fld id="{53074F12-AA26-4AC8-9962-C36BB8F32554}" type="datetimeFigureOut">
               <a:rPr lang="en-US" smtClean="0"/>
               <a:pPr/>
-              <a:t>6/3/2021</a:t>
+              <a:t>6/4/2021</a:t>
             </a:fld>
             <a:endParaRPr lang="en-US"/>
           </a:p>
@@ -2941,7 +2942,7 @@
             <a:fld id="{53074F12-AA26-4AC8-9962-C36BB8F32554}" type="datetimeFigureOut">
               <a:rPr lang="en-US" smtClean="0"/>
               <a:pPr/>
-              <a:t>6/3/2021</a:t>
+              <a:t>6/4/2021</a:t>
             </a:fld>
             <a:endParaRPr lang="en-US"/>
           </a:p>
@@ -3060,7 +3061,7 @@
             <a:fld id="{53074F12-AA26-4AC8-9962-C36BB8F32554}" type="datetimeFigureOut">
               <a:rPr lang="en-US" smtClean="0"/>
               <a:pPr/>
-              <a:t>6/3/2021</a:t>
+              <a:t>6/4/2021</a:t>
             </a:fld>
             <a:endParaRPr lang="en-US"/>
           </a:p>
@@ -3157,7 +3158,7 @@
             <a:fld id="{53074F12-AA26-4AC8-9962-C36BB8F32554}" type="datetimeFigureOut">
               <a:rPr lang="en-US" smtClean="0"/>
               <a:pPr/>
-              <a:t>6/3/2021</a:t>
+              <a:t>6/4/2021</a:t>
             </a:fld>
             <a:endParaRPr lang="en-US"/>
           </a:p>
@@ -3434,7 +3435,7 @@
             <a:fld id="{53074F12-AA26-4AC8-9962-C36BB8F32554}" type="datetimeFigureOut">
               <a:rPr lang="en-US" smtClean="0"/>
               <a:pPr/>
-              <a:t>6/3/2021</a:t>
+              <a:t>6/4/2021</a:t>
             </a:fld>
             <a:endParaRPr lang="en-US"/>
           </a:p>
@@ -3656,7 +3657,7 @@
             <a:fld id="{53074F12-AA26-4AC8-9962-C36BB8F32554}" type="datetimeFigureOut">
               <a:rPr lang="en-US" smtClean="0"/>
               <a:pPr/>
-              <a:t>6/3/2021</a:t>
+              <a:t>6/4/2021</a:t>
             </a:fld>
             <a:endParaRPr lang="en-US"/>
           </a:p>
@@ -4342,6 +4343,110 @@
     <p:extLst>
       <p:ext uri="{BB962C8B-B14F-4D97-AF65-F5344CB8AC3E}">
         <p14:creationId xmlns:p14="http://schemas.microsoft.com/office/powerpoint/2010/main" val="2833697999"/>
+      </p:ext>
+    </p:extLst>
+  </p:cSld>
+  <p:clrMapOvr>
+    <a:masterClrMapping/>
+  </p:clrMapOvr>
+</p:sld>
+</file>
+
+<file path=ppt/slides/slide11.xml><?xml version="1.0" encoding="utf-8"?>
+<p:sld xmlns:a="http://schemas.openxmlformats.org/drawingml/2006/main" xmlns:r="http://schemas.openxmlformats.org/officeDocument/2006/relationships" xmlns:p="http://schemas.openxmlformats.org/presentationml/2006/main">
+  <p:cSld>
+    <p:spTree>
+      <p:nvGrpSpPr>
+        <p:cNvPr id="1" name=""/>
+        <p:cNvGrpSpPr/>
+        <p:nvPr/>
+      </p:nvGrpSpPr>
+      <p:grpSpPr>
+        <a:xfrm>
+          <a:off x="0" y="0"/>
+          <a:ext cx="0" cy="0"/>
+          <a:chOff x="0" y="0"/>
+          <a:chExt cx="0" cy="0"/>
+        </a:xfrm>
+      </p:grpSpPr>
+      <p:sp>
+        <p:nvSpPr>
+          <p:cNvPr id="2" name="TextBox 1">
+            <a:extLst>
+              <a:ext uri="{FF2B5EF4-FFF2-40B4-BE49-F238E27FC236}">
+                <a16:creationId xmlns:a16="http://schemas.microsoft.com/office/drawing/2014/main" id="{4714302C-D1EB-4E4D-A678-071C60F56D86}"/>
+              </a:ext>
+            </a:extLst>
+          </p:cNvPr>
+          <p:cNvSpPr txBox="1"/>
+          <p:nvPr/>
+        </p:nvSpPr>
+        <p:spPr>
+          <a:xfrm>
+            <a:off x="446567" y="1970568"/>
+            <a:ext cx="8565743" cy="923330"/>
+          </a:xfrm>
+          <a:prstGeom prst="rect">
+            <a:avLst/>
+          </a:prstGeom>
+          <a:noFill/>
+        </p:spPr>
+        <p:txBody>
+          <a:bodyPr wrap="none" rtlCol="0">
+            <a:spAutoFit/>
+          </a:bodyPr>
+          <a:lstStyle/>
+          <a:p>
+            <a:r>
+              <a:rPr lang="en-US" dirty="0">
+                <a:solidFill>
+                  <a:schemeClr val="bg1"/>
+                </a:solidFill>
+              </a:rPr>
+              <a:t>GitHub isn’t allowing to upload the files larger than 25MB ma’am/sir.</a:t>
+            </a:r>
+            <a:br>
+              <a:rPr lang="en-US" dirty="0">
+                <a:solidFill>
+                  <a:schemeClr val="bg1"/>
+                </a:solidFill>
+              </a:rPr>
+            </a:br>
+            <a:r>
+              <a:rPr lang="en-US" dirty="0">
+                <a:solidFill>
+                  <a:schemeClr val="bg1"/>
+                </a:solidFill>
+              </a:rPr>
+              <a:t>So here is the drive link for our project demo video:</a:t>
+            </a:r>
+            <a:br>
+              <a:rPr lang="en-US" dirty="0">
+                <a:solidFill>
+                  <a:schemeClr val="bg1"/>
+                </a:solidFill>
+              </a:rPr>
+            </a:br>
+            <a:r>
+              <a:rPr lang="en-US" dirty="0">
+                <a:solidFill>
+                  <a:schemeClr val="bg1"/>
+                </a:solidFill>
+              </a:rPr>
+              <a:t>https://drive.google.com/file/d/1xbiPhMiso8bD9PX6lqpC3esZsvvNjcDl/view?usp=sharing</a:t>
+            </a:r>
+            <a:endParaRPr lang="en-IN" dirty="0">
+              <a:solidFill>
+                <a:schemeClr val="bg1"/>
+              </a:solidFill>
+            </a:endParaRPr>
+          </a:p>
+        </p:txBody>
+      </p:sp>
+    </p:spTree>
+    <p:extLst>
+      <p:ext uri="{BB962C8B-B14F-4D97-AF65-F5344CB8AC3E}">
+        <p14:creationId xmlns:p14="http://schemas.microsoft.com/office/powerpoint/2010/main" val="3926469028"/>
       </p:ext>
     </p:extLst>
   </p:cSld>
